--- a/Mohamed Reda 1/Presentation.pptx
+++ b/Mohamed Reda 1/Presentation.pptx
@@ -272,7 +272,7 @@
           <a:p>
             <a:fld id="{1DF72B77-BC9D-4D0C-BE5C-A82FFEB5F28E}" type="datetimeFigureOut">
               <a:rPr lang="en-US" smtClean="0"/>
-              <a:t>7/3/2025</a:t>
+              <a:t>7/5/2025</a:t>
             </a:fld>
             <a:endParaRPr lang="en-US"/>
           </a:p>
@@ -470,7 +470,7 @@
           <a:p>
             <a:fld id="{1DF72B77-BC9D-4D0C-BE5C-A82FFEB5F28E}" type="datetimeFigureOut">
               <a:rPr lang="en-US" smtClean="0"/>
-              <a:t>7/3/2025</a:t>
+              <a:t>7/5/2025</a:t>
             </a:fld>
             <a:endParaRPr lang="en-US"/>
           </a:p>
@@ -678,7 +678,7 @@
           <a:p>
             <a:fld id="{1DF72B77-BC9D-4D0C-BE5C-A82FFEB5F28E}" type="datetimeFigureOut">
               <a:rPr lang="en-US" smtClean="0"/>
-              <a:t>7/3/2025</a:t>
+              <a:t>7/5/2025</a:t>
             </a:fld>
             <a:endParaRPr lang="en-US"/>
           </a:p>
@@ -876,7 +876,7 @@
           <a:p>
             <a:fld id="{1DF72B77-BC9D-4D0C-BE5C-A82FFEB5F28E}" type="datetimeFigureOut">
               <a:rPr lang="en-US" smtClean="0"/>
-              <a:t>7/3/2025</a:t>
+              <a:t>7/5/2025</a:t>
             </a:fld>
             <a:endParaRPr lang="en-US"/>
           </a:p>
@@ -1151,7 +1151,7 @@
           <a:p>
             <a:fld id="{1DF72B77-BC9D-4D0C-BE5C-A82FFEB5F28E}" type="datetimeFigureOut">
               <a:rPr lang="en-US" smtClean="0"/>
-              <a:t>7/3/2025</a:t>
+              <a:t>7/5/2025</a:t>
             </a:fld>
             <a:endParaRPr lang="en-US"/>
           </a:p>
@@ -1416,7 +1416,7 @@
           <a:p>
             <a:fld id="{1DF72B77-BC9D-4D0C-BE5C-A82FFEB5F28E}" type="datetimeFigureOut">
               <a:rPr lang="en-US" smtClean="0"/>
-              <a:t>7/3/2025</a:t>
+              <a:t>7/5/2025</a:t>
             </a:fld>
             <a:endParaRPr lang="en-US"/>
           </a:p>
@@ -1828,7 +1828,7 @@
           <a:p>
             <a:fld id="{1DF72B77-BC9D-4D0C-BE5C-A82FFEB5F28E}" type="datetimeFigureOut">
               <a:rPr lang="en-US" smtClean="0"/>
-              <a:t>7/3/2025</a:t>
+              <a:t>7/5/2025</a:t>
             </a:fld>
             <a:endParaRPr lang="en-US"/>
           </a:p>
@@ -1969,7 +1969,7 @@
           <a:p>
             <a:fld id="{1DF72B77-BC9D-4D0C-BE5C-A82FFEB5F28E}" type="datetimeFigureOut">
               <a:rPr lang="en-US" smtClean="0"/>
-              <a:t>7/3/2025</a:t>
+              <a:t>7/5/2025</a:t>
             </a:fld>
             <a:endParaRPr lang="en-US"/>
           </a:p>
@@ -2082,7 +2082,7 @@
           <a:p>
             <a:fld id="{1DF72B77-BC9D-4D0C-BE5C-A82FFEB5F28E}" type="datetimeFigureOut">
               <a:rPr lang="en-US" smtClean="0"/>
-              <a:t>7/3/2025</a:t>
+              <a:t>7/5/2025</a:t>
             </a:fld>
             <a:endParaRPr lang="en-US"/>
           </a:p>
@@ -2393,7 +2393,7 @@
           <a:p>
             <a:fld id="{1DF72B77-BC9D-4D0C-BE5C-A82FFEB5F28E}" type="datetimeFigureOut">
               <a:rPr lang="en-US" smtClean="0"/>
-              <a:t>7/3/2025</a:t>
+              <a:t>7/5/2025</a:t>
             </a:fld>
             <a:endParaRPr lang="en-US"/>
           </a:p>
@@ -2681,7 +2681,7 @@
           <a:p>
             <a:fld id="{1DF72B77-BC9D-4D0C-BE5C-A82FFEB5F28E}" type="datetimeFigureOut">
               <a:rPr lang="en-US" smtClean="0"/>
-              <a:t>7/3/2025</a:t>
+              <a:t>7/5/2025</a:t>
             </a:fld>
             <a:endParaRPr lang="en-US"/>
           </a:p>
@@ -2922,7 +2922,7 @@
           <a:p>
             <a:fld id="{1DF72B77-BC9D-4D0C-BE5C-A82FFEB5F28E}" type="datetimeFigureOut">
               <a:rPr lang="en-US" smtClean="0"/>
-              <a:t>7/3/2025</a:t>
+              <a:t>7/5/2025</a:t>
             </a:fld>
             <a:endParaRPr lang="en-US"/>
           </a:p>
@@ -6149,7 +6149,7 @@
         <p:spPr>
           <a:xfrm>
             <a:off x="7675880" y="1577638"/>
-            <a:ext cx="990599" cy="2021268"/>
+            <a:ext cx="1980184" cy="2021268"/>
           </a:xfrm>
           <a:prstGeom prst="rect">
             <a:avLst/>

--- a/Mohamed Reda 1/Presentation.pptx
+++ b/Mohamed Reda 1/Presentation.pptx
@@ -5931,7 +5931,13 @@
               <a:rPr lang="en-US" sz="2400" dirty="0">
                 <a:latin typeface="Montserrat" panose="00000500000000000000" pitchFamily="2" charset="0"/>
               </a:rPr>
-              <a:t>- Key fields: lead time, repeated guests, market type, cancellation status</a:t>
+              <a:t>- Key fields: </a:t>
+            </a:r>
+            <a:r>
+              <a:rPr lang="en-US" sz="2400" b="1" dirty="0">
+                <a:latin typeface="Montserrat" panose="00000500000000000000" pitchFamily="2" charset="0"/>
+              </a:rPr>
+              <a:t>lead time, repeated guests, market type, cancellation status</a:t>
             </a:r>
           </a:p>
         </p:txBody>
